--- a/Documentation/Images/02_rubot_model/Models.pptx
+++ b/Documentation/Images/02_rubot_model/Models.pptx
@@ -7,6 +7,7 @@
   <p:sldIdLst>
     <p:sldId id="256" r:id="rId2"/>
     <p:sldId id="257" r:id="rId3"/>
+    <p:sldId id="258" r:id="rId4"/>
   </p:sldIdLst>
   <p:sldSz cx="12192000" cy="6858000"/>
   <p:notesSz cx="6858000" cy="9144000"/>
@@ -105,6 +106,11 @@
       </a:defRPr>
     </a:lvl9pPr>
   </p:defaultTextStyle>
+  <p:extLst>
+    <p:ext uri="{EFAFB233-063F-42B5-8137-9DF3F51BA10A}">
+      <p15:sldGuideLst xmlns:p15="http://schemas.microsoft.com/office/powerpoint/2012/main"/>
+    </p:ext>
+  </p:extLst>
 </p:presentation>
 </file>
 
@@ -255,7 +261,7 @@
           <a:p>
             <a:fld id="{FE57838B-E04A-4FA0-B52C-9FF96CBE1B1C}" type="datetimeFigureOut">
               <a:rPr lang="en-GB" smtClean="0"/>
-              <a:t>07/03/2025</a:t>
+              <a:t>10/11/2025</a:t>
             </a:fld>
             <a:endParaRPr lang="en-GB"/>
           </a:p>
@@ -453,7 +459,7 @@
           <a:p>
             <a:fld id="{FE57838B-E04A-4FA0-B52C-9FF96CBE1B1C}" type="datetimeFigureOut">
               <a:rPr lang="en-GB" smtClean="0"/>
-              <a:t>07/03/2025</a:t>
+              <a:t>10/11/2025</a:t>
             </a:fld>
             <a:endParaRPr lang="en-GB"/>
           </a:p>
@@ -661,7 +667,7 @@
           <a:p>
             <a:fld id="{FE57838B-E04A-4FA0-B52C-9FF96CBE1B1C}" type="datetimeFigureOut">
               <a:rPr lang="en-GB" smtClean="0"/>
-              <a:t>07/03/2025</a:t>
+              <a:t>10/11/2025</a:t>
             </a:fld>
             <a:endParaRPr lang="en-GB"/>
           </a:p>
@@ -859,7 +865,7 @@
           <a:p>
             <a:fld id="{FE57838B-E04A-4FA0-B52C-9FF96CBE1B1C}" type="datetimeFigureOut">
               <a:rPr lang="en-GB" smtClean="0"/>
-              <a:t>07/03/2025</a:t>
+              <a:t>10/11/2025</a:t>
             </a:fld>
             <a:endParaRPr lang="en-GB"/>
           </a:p>
@@ -1134,7 +1140,7 @@
           <a:p>
             <a:fld id="{FE57838B-E04A-4FA0-B52C-9FF96CBE1B1C}" type="datetimeFigureOut">
               <a:rPr lang="en-GB" smtClean="0"/>
-              <a:t>07/03/2025</a:t>
+              <a:t>10/11/2025</a:t>
             </a:fld>
             <a:endParaRPr lang="en-GB"/>
           </a:p>
@@ -1399,7 +1405,7 @@
           <a:p>
             <a:fld id="{FE57838B-E04A-4FA0-B52C-9FF96CBE1B1C}" type="datetimeFigureOut">
               <a:rPr lang="en-GB" smtClean="0"/>
-              <a:t>07/03/2025</a:t>
+              <a:t>10/11/2025</a:t>
             </a:fld>
             <a:endParaRPr lang="en-GB"/>
           </a:p>
@@ -1811,7 +1817,7 @@
           <a:p>
             <a:fld id="{FE57838B-E04A-4FA0-B52C-9FF96CBE1B1C}" type="datetimeFigureOut">
               <a:rPr lang="en-GB" smtClean="0"/>
-              <a:t>07/03/2025</a:t>
+              <a:t>10/11/2025</a:t>
             </a:fld>
             <a:endParaRPr lang="en-GB"/>
           </a:p>
@@ -1952,7 +1958,7 @@
           <a:p>
             <a:fld id="{FE57838B-E04A-4FA0-B52C-9FF96CBE1B1C}" type="datetimeFigureOut">
               <a:rPr lang="en-GB" smtClean="0"/>
-              <a:t>07/03/2025</a:t>
+              <a:t>10/11/2025</a:t>
             </a:fld>
             <a:endParaRPr lang="en-GB"/>
           </a:p>
@@ -2065,7 +2071,7 @@
           <a:p>
             <a:fld id="{FE57838B-E04A-4FA0-B52C-9FF96CBE1B1C}" type="datetimeFigureOut">
               <a:rPr lang="en-GB" smtClean="0"/>
-              <a:t>07/03/2025</a:t>
+              <a:t>10/11/2025</a:t>
             </a:fld>
             <a:endParaRPr lang="en-GB"/>
           </a:p>
@@ -2376,7 +2382,7 @@
           <a:p>
             <a:fld id="{FE57838B-E04A-4FA0-B52C-9FF96CBE1B1C}" type="datetimeFigureOut">
               <a:rPr lang="en-GB" smtClean="0"/>
-              <a:t>07/03/2025</a:t>
+              <a:t>10/11/2025</a:t>
             </a:fld>
             <a:endParaRPr lang="en-GB"/>
           </a:p>
@@ -2664,7 +2670,7 @@
           <a:p>
             <a:fld id="{FE57838B-E04A-4FA0-B52C-9FF96CBE1B1C}" type="datetimeFigureOut">
               <a:rPr lang="en-GB" smtClean="0"/>
-              <a:t>07/03/2025</a:t>
+              <a:t>10/11/2025</a:t>
             </a:fld>
             <a:endParaRPr lang="en-GB"/>
           </a:p>
@@ -2905,7 +2911,7 @@
           <a:p>
             <a:fld id="{FE57838B-E04A-4FA0-B52C-9FF96CBE1B1C}" type="datetimeFigureOut">
               <a:rPr lang="en-GB" smtClean="0"/>
-              <a:t>07/03/2025</a:t>
+              <a:t>10/11/2025</a:t>
             </a:fld>
             <a:endParaRPr lang="en-GB"/>
           </a:p>
@@ -3471,6 +3477,997 @@
 </p:sld>
 </file>
 
+<file path=ppt/slides/slide3.xml><?xml version="1.0" encoding="utf-8"?>
+<p:sld xmlns:a="http://schemas.openxmlformats.org/drawingml/2006/main" xmlns:r="http://schemas.openxmlformats.org/officeDocument/2006/relationships" xmlns:p="http://schemas.openxmlformats.org/presentationml/2006/main">
+  <p:cSld>
+    <p:spTree>
+      <p:nvGrpSpPr>
+        <p:cNvPr id="1" name=""/>
+        <p:cNvGrpSpPr/>
+        <p:nvPr/>
+      </p:nvGrpSpPr>
+      <p:grpSpPr>
+        <a:xfrm>
+          <a:off x="0" y="0"/>
+          <a:ext cx="0" cy="0"/>
+          <a:chOff x="0" y="0"/>
+          <a:chExt cx="0" cy="0"/>
+        </a:xfrm>
+      </p:grpSpPr>
+      <p:grpSp>
+        <p:nvGrpSpPr>
+          <p:cNvPr id="31" name="Agrupa 30">
+            <a:extLst>
+              <a:ext uri="{FF2B5EF4-FFF2-40B4-BE49-F238E27FC236}">
+                <a16:creationId xmlns:a16="http://schemas.microsoft.com/office/drawing/2014/main" id="{28B513FA-8D63-4C30-B42F-A2912A28DCAA}"/>
+              </a:ext>
+            </a:extLst>
+          </p:cNvPr>
+          <p:cNvGrpSpPr/>
+          <p:nvPr/>
+        </p:nvGrpSpPr>
+        <p:grpSpPr>
+          <a:xfrm>
+            <a:off x="761587" y="692093"/>
+            <a:ext cx="6173041" cy="3714751"/>
+            <a:chOff x="15223" y="743466"/>
+            <a:chExt cx="6173041" cy="3714751"/>
+          </a:xfrm>
+        </p:grpSpPr>
+        <p:grpSp>
+          <p:nvGrpSpPr>
+            <p:cNvPr id="29" name="Agrupa 28">
+              <a:extLst>
+                <a:ext uri="{FF2B5EF4-FFF2-40B4-BE49-F238E27FC236}">
+                  <a16:creationId xmlns:a16="http://schemas.microsoft.com/office/drawing/2014/main" id="{91D0D251-CDC4-40C3-AD4F-D7FD571B17CE}"/>
+                </a:ext>
+              </a:extLst>
+            </p:cNvPr>
+            <p:cNvGrpSpPr/>
+            <p:nvPr/>
+          </p:nvGrpSpPr>
+          <p:grpSpPr>
+            <a:xfrm>
+              <a:off x="15223" y="743466"/>
+              <a:ext cx="6173041" cy="3714751"/>
+              <a:chOff x="6001029" y="1006846"/>
+              <a:chExt cx="6173041" cy="3714751"/>
+            </a:xfrm>
+          </p:grpSpPr>
+          <p:grpSp>
+            <p:nvGrpSpPr>
+              <p:cNvPr id="26" name="Agrupa 25">
+                <a:extLst>
+                  <a:ext uri="{FF2B5EF4-FFF2-40B4-BE49-F238E27FC236}">
+                    <a16:creationId xmlns:a16="http://schemas.microsoft.com/office/drawing/2014/main" id="{CC127E35-EB6C-44E3-A46A-CE0BF26A5943}"/>
+                  </a:ext>
+                </a:extLst>
+              </p:cNvPr>
+              <p:cNvGrpSpPr/>
+              <p:nvPr/>
+            </p:nvGrpSpPr>
+            <p:grpSpPr>
+              <a:xfrm>
+                <a:off x="6001029" y="1006846"/>
+                <a:ext cx="6173041" cy="3714751"/>
+                <a:chOff x="5855913" y="1293718"/>
+                <a:chExt cx="6173041" cy="3714751"/>
+              </a:xfrm>
+            </p:grpSpPr>
+            <p:pic>
+              <p:nvPicPr>
+                <p:cNvPr id="4" name="Imatge 3">
+                  <a:extLst>
+                    <a:ext uri="{FF2B5EF4-FFF2-40B4-BE49-F238E27FC236}">
+                      <a16:creationId xmlns:a16="http://schemas.microsoft.com/office/drawing/2014/main" id="{55A98C3C-492F-4308-B215-294082EB6C48}"/>
+                    </a:ext>
+                  </a:extLst>
+                </p:cNvPr>
+                <p:cNvPicPr>
+                  <a:picLocks noChangeAspect="1"/>
+                </p:cNvPicPr>
+                <p:nvPr/>
+              </p:nvPicPr>
+              <p:blipFill>
+                <a:blip r:embed="rId2"/>
+                <a:stretch>
+                  <a:fillRect/>
+                </a:stretch>
+              </p:blipFill>
+              <p:spPr>
+                <a:xfrm>
+                  <a:off x="5990104" y="1293719"/>
+                  <a:ext cx="6038850" cy="3714750"/>
+                </a:xfrm>
+                <a:prstGeom prst="rect">
+                  <a:avLst/>
+                </a:prstGeom>
+              </p:spPr>
+            </p:pic>
+            <p:cxnSp>
+              <p:nvCxnSpPr>
+                <p:cNvPr id="9" name="Connector recte 8">
+                  <a:extLst>
+                    <a:ext uri="{FF2B5EF4-FFF2-40B4-BE49-F238E27FC236}">
+                      <a16:creationId xmlns:a16="http://schemas.microsoft.com/office/drawing/2014/main" id="{7FDEB7BF-D55E-48B8-974C-2860D64250AF}"/>
+                    </a:ext>
+                  </a:extLst>
+                </p:cNvPr>
+                <p:cNvCxnSpPr/>
+                <p:nvPr/>
+              </p:nvCxnSpPr>
+              <p:spPr>
+                <a:xfrm flipV="1">
+                  <a:off x="8658679" y="1739153"/>
+                  <a:ext cx="1013012" cy="1456766"/>
+                </a:xfrm>
+                <a:prstGeom prst="line">
+                  <a:avLst/>
+                </a:prstGeom>
+                <a:ln>
+                  <a:solidFill>
+                    <a:schemeClr val="tx1"/>
+                  </a:solidFill>
+                  <a:prstDash val="sysDash"/>
+                </a:ln>
+              </p:spPr>
+              <p:style>
+                <a:lnRef idx="2">
+                  <a:schemeClr val="accent1"/>
+                </a:lnRef>
+                <a:fillRef idx="0">
+                  <a:schemeClr val="accent1"/>
+                </a:fillRef>
+                <a:effectRef idx="1">
+                  <a:schemeClr val="accent1"/>
+                </a:effectRef>
+                <a:fontRef idx="minor">
+                  <a:schemeClr val="tx1"/>
+                </a:fontRef>
+              </p:style>
+            </p:cxnSp>
+            <p:cxnSp>
+              <p:nvCxnSpPr>
+                <p:cNvPr id="10" name="Connector de fletxa recta 9">
+                  <a:extLst>
+                    <a:ext uri="{FF2B5EF4-FFF2-40B4-BE49-F238E27FC236}">
+                      <a16:creationId xmlns:a16="http://schemas.microsoft.com/office/drawing/2014/main" id="{BEDFE14C-BB7B-42DC-9D1F-184CE8665D48}"/>
+                    </a:ext>
+                  </a:extLst>
+                </p:cNvPr>
+                <p:cNvCxnSpPr/>
+                <p:nvPr/>
+              </p:nvCxnSpPr>
+              <p:spPr>
+                <a:xfrm flipH="1">
+                  <a:off x="6838844" y="3195919"/>
+                  <a:ext cx="1819835" cy="0"/>
+                </a:xfrm>
+                <a:prstGeom prst="straightConnector1">
+                  <a:avLst/>
+                </a:prstGeom>
+                <a:ln w="76200">
+                  <a:solidFill>
+                    <a:srgbClr val="FF0000"/>
+                  </a:solidFill>
+                  <a:tailEnd type="triangle"/>
+                </a:ln>
+              </p:spPr>
+              <p:style>
+                <a:lnRef idx="2">
+                  <a:schemeClr val="accent2"/>
+                </a:lnRef>
+                <a:fillRef idx="0">
+                  <a:schemeClr val="accent2"/>
+                </a:fillRef>
+                <a:effectRef idx="1">
+                  <a:schemeClr val="accent2"/>
+                </a:effectRef>
+                <a:fontRef idx="minor">
+                  <a:schemeClr val="tx1"/>
+                </a:fontRef>
+              </p:style>
+            </p:cxnSp>
+            <p:sp>
+              <p:nvSpPr>
+                <p:cNvPr id="11" name="QuadreDeText 10">
+                  <a:extLst>
+                    <a:ext uri="{FF2B5EF4-FFF2-40B4-BE49-F238E27FC236}">
+                      <a16:creationId xmlns:a16="http://schemas.microsoft.com/office/drawing/2014/main" id="{6AB85105-E3CC-4CE0-AAAC-C202B3A1783D}"/>
+                    </a:ext>
+                  </a:extLst>
+                </p:cNvPr>
+                <p:cNvSpPr txBox="1"/>
+                <p:nvPr/>
+              </p:nvSpPr>
+              <p:spPr>
+                <a:xfrm>
+                  <a:off x="7125714" y="2644588"/>
+                  <a:ext cx="373820" cy="584775"/>
+                </a:xfrm>
+                <a:prstGeom prst="rect">
+                  <a:avLst/>
+                </a:prstGeom>
+                <a:noFill/>
+              </p:spPr>
+              <p:txBody>
+                <a:bodyPr wrap="none" rtlCol="0">
+                  <a:spAutoFit/>
+                </a:bodyPr>
+                <a:lstStyle/>
+                <a:p>
+                  <a:r>
+                    <a:rPr lang="ca-ES" sz="3200" b="1" dirty="0">
+                      <a:solidFill>
+                        <a:srgbClr val="FF0000"/>
+                      </a:solidFill>
+                    </a:rPr>
+                    <a:t>x</a:t>
+                  </a:r>
+                  <a:endParaRPr lang="es-ES" sz="3200" b="1" dirty="0">
+                    <a:solidFill>
+                      <a:srgbClr val="FF0000"/>
+                    </a:solidFill>
+                  </a:endParaRPr>
+                </a:p>
+              </p:txBody>
+            </p:sp>
+            <p:cxnSp>
+              <p:nvCxnSpPr>
+                <p:cNvPr id="12" name="Connector recte 11">
+                  <a:extLst>
+                    <a:ext uri="{FF2B5EF4-FFF2-40B4-BE49-F238E27FC236}">
+                      <a16:creationId xmlns:a16="http://schemas.microsoft.com/office/drawing/2014/main" id="{8D3981DD-0312-4994-854F-CD13F621C274}"/>
+                    </a:ext>
+                  </a:extLst>
+                </p:cNvPr>
+                <p:cNvCxnSpPr>
+                  <a:cxnSpLocks/>
+                </p:cNvCxnSpPr>
+                <p:nvPr/>
+              </p:nvCxnSpPr>
+              <p:spPr>
+                <a:xfrm flipH="1" flipV="1">
+                  <a:off x="8634027" y="3216086"/>
+                  <a:ext cx="1146467" cy="1436599"/>
+                </a:xfrm>
+                <a:prstGeom prst="line">
+                  <a:avLst/>
+                </a:prstGeom>
+                <a:ln>
+                  <a:solidFill>
+                    <a:schemeClr val="tx1"/>
+                  </a:solidFill>
+                  <a:prstDash val="sysDash"/>
+                </a:ln>
+              </p:spPr>
+              <p:style>
+                <a:lnRef idx="2">
+                  <a:schemeClr val="accent1"/>
+                </a:lnRef>
+                <a:fillRef idx="0">
+                  <a:schemeClr val="accent1"/>
+                </a:fillRef>
+                <a:effectRef idx="1">
+                  <a:schemeClr val="accent1"/>
+                </a:effectRef>
+                <a:fontRef idx="minor">
+                  <a:schemeClr val="tx1"/>
+                </a:fontRef>
+              </p:style>
+            </p:cxnSp>
+            <p:sp>
+              <p:nvSpPr>
+                <p:cNvPr id="15" name="Rectangle 14">
+                  <a:extLst>
+                    <a:ext uri="{FF2B5EF4-FFF2-40B4-BE49-F238E27FC236}">
+                      <a16:creationId xmlns:a16="http://schemas.microsoft.com/office/drawing/2014/main" id="{96CFDC0D-C99D-4867-B6B3-CEC99DDA8229}"/>
+                    </a:ext>
+                  </a:extLst>
+                </p:cNvPr>
+                <p:cNvSpPr/>
+                <p:nvPr/>
+              </p:nvSpPr>
+              <p:spPr>
+                <a:xfrm>
+                  <a:off x="5855913" y="3458698"/>
+                  <a:ext cx="1219200" cy="197223"/>
+                </a:xfrm>
+                <a:prstGeom prst="rect">
+                  <a:avLst/>
+                </a:prstGeom>
+                <a:solidFill>
+                  <a:schemeClr val="bg1"/>
+                </a:solidFill>
+                <a:ln>
+                  <a:solidFill>
+                    <a:schemeClr val="bg1"/>
+                  </a:solidFill>
+                </a:ln>
+              </p:spPr>
+              <p:style>
+                <a:lnRef idx="2">
+                  <a:schemeClr val="accent1">
+                    <a:shade val="50000"/>
+                  </a:schemeClr>
+                </a:lnRef>
+                <a:fillRef idx="1">
+                  <a:schemeClr val="accent1"/>
+                </a:fillRef>
+                <a:effectRef idx="0">
+                  <a:schemeClr val="accent1"/>
+                </a:effectRef>
+                <a:fontRef idx="minor">
+                  <a:schemeClr val="lt1"/>
+                </a:fontRef>
+              </p:style>
+              <p:txBody>
+                <a:bodyPr rtlCol="0" anchor="ctr"/>
+                <a:lstStyle/>
+                <a:p>
+                  <a:pPr algn="ctr"/>
+                  <a:endParaRPr lang="es-ES"/>
+                </a:p>
+              </p:txBody>
+            </p:sp>
+            <p:sp>
+              <p:nvSpPr>
+                <p:cNvPr id="16" name="Rectangle 15">
+                  <a:extLst>
+                    <a:ext uri="{FF2B5EF4-FFF2-40B4-BE49-F238E27FC236}">
+                      <a16:creationId xmlns:a16="http://schemas.microsoft.com/office/drawing/2014/main" id="{207250F6-A628-451B-A9EA-8C30CCE0A9EE}"/>
+                    </a:ext>
+                  </a:extLst>
+                </p:cNvPr>
+                <p:cNvSpPr/>
+                <p:nvPr/>
+              </p:nvSpPr>
+              <p:spPr>
+                <a:xfrm>
+                  <a:off x="8581742" y="3709708"/>
+                  <a:ext cx="203669" cy="1298758"/>
+                </a:xfrm>
+                <a:prstGeom prst="rect">
+                  <a:avLst/>
+                </a:prstGeom>
+                <a:solidFill>
+                  <a:schemeClr val="bg1"/>
+                </a:solidFill>
+                <a:ln>
+                  <a:solidFill>
+                    <a:schemeClr val="bg1"/>
+                  </a:solidFill>
+                </a:ln>
+              </p:spPr>
+              <p:style>
+                <a:lnRef idx="2">
+                  <a:schemeClr val="accent1">
+                    <a:shade val="50000"/>
+                  </a:schemeClr>
+                </a:lnRef>
+                <a:fillRef idx="1">
+                  <a:schemeClr val="accent1"/>
+                </a:fillRef>
+                <a:effectRef idx="0">
+                  <a:schemeClr val="accent1"/>
+                </a:effectRef>
+                <a:fontRef idx="minor">
+                  <a:schemeClr val="lt1"/>
+                </a:fontRef>
+              </p:style>
+              <p:txBody>
+                <a:bodyPr rtlCol="0" anchor="ctr"/>
+                <a:lstStyle/>
+                <a:p>
+                  <a:pPr algn="ctr"/>
+                  <a:endParaRPr lang="es-ES"/>
+                </a:p>
+              </p:txBody>
+            </p:sp>
+            <p:sp>
+              <p:nvSpPr>
+                <p:cNvPr id="17" name="Rectangle 16">
+                  <a:extLst>
+                    <a:ext uri="{FF2B5EF4-FFF2-40B4-BE49-F238E27FC236}">
+                      <a16:creationId xmlns:a16="http://schemas.microsoft.com/office/drawing/2014/main" id="{8E2A1737-125D-4867-B079-A533458284EC}"/>
+                    </a:ext>
+                  </a:extLst>
+                </p:cNvPr>
+                <p:cNvSpPr/>
+                <p:nvPr/>
+              </p:nvSpPr>
+              <p:spPr>
+                <a:xfrm>
+                  <a:off x="8489749" y="1293718"/>
+                  <a:ext cx="295662" cy="1399334"/>
+                </a:xfrm>
+                <a:prstGeom prst="rect">
+                  <a:avLst/>
+                </a:prstGeom>
+                <a:solidFill>
+                  <a:schemeClr val="bg1"/>
+                </a:solidFill>
+                <a:ln>
+                  <a:solidFill>
+                    <a:schemeClr val="bg1"/>
+                  </a:solidFill>
+                </a:ln>
+              </p:spPr>
+              <p:style>
+                <a:lnRef idx="2">
+                  <a:schemeClr val="accent1">
+                    <a:shade val="50000"/>
+                  </a:schemeClr>
+                </a:lnRef>
+                <a:fillRef idx="1">
+                  <a:schemeClr val="accent1"/>
+                </a:fillRef>
+                <a:effectRef idx="0">
+                  <a:schemeClr val="accent1"/>
+                </a:effectRef>
+                <a:fontRef idx="minor">
+                  <a:schemeClr val="lt1"/>
+                </a:fontRef>
+              </p:style>
+              <p:txBody>
+                <a:bodyPr rtlCol="0" anchor="ctr"/>
+                <a:lstStyle/>
+                <a:p>
+                  <a:pPr algn="ctr"/>
+                  <a:endParaRPr lang="es-ES"/>
+                </a:p>
+              </p:txBody>
+            </p:sp>
+            <p:sp>
+              <p:nvSpPr>
+                <p:cNvPr id="14" name="Arc 13">
+                  <a:extLst>
+                    <a:ext uri="{FF2B5EF4-FFF2-40B4-BE49-F238E27FC236}">
+                      <a16:creationId xmlns:a16="http://schemas.microsoft.com/office/drawing/2014/main" id="{DAF4854E-5369-4C99-8B28-2F8DEA0604CD}"/>
+                    </a:ext>
+                  </a:extLst>
+                </p:cNvPr>
+                <p:cNvSpPr/>
+                <p:nvPr/>
+              </p:nvSpPr>
+              <p:spPr>
+                <a:xfrm>
+                  <a:off x="7786404" y="2339787"/>
+                  <a:ext cx="1743079" cy="1712259"/>
+                </a:xfrm>
+                <a:prstGeom prst="arc">
+                  <a:avLst>
+                    <a:gd name="adj1" fmla="val 10932156"/>
+                    <a:gd name="adj2" fmla="val 18283841"/>
+                  </a:avLst>
+                </a:prstGeom>
+                <a:ln w="28575">
+                  <a:prstDash val="dash"/>
+                  <a:headEnd type="none" w="med" len="med"/>
+                  <a:tailEnd type="triangle" w="med" len="med"/>
+                </a:ln>
+              </p:spPr>
+              <p:style>
+                <a:lnRef idx="2">
+                  <a:schemeClr val="accent1"/>
+                </a:lnRef>
+                <a:fillRef idx="0">
+                  <a:schemeClr val="accent1"/>
+                </a:fillRef>
+                <a:effectRef idx="1">
+                  <a:schemeClr val="accent1"/>
+                </a:effectRef>
+                <a:fontRef idx="minor">
+                  <a:schemeClr val="tx1"/>
+                </a:fontRef>
+              </p:style>
+              <p:txBody>
+                <a:bodyPr rtlCol="0" anchor="ctr"/>
+                <a:lstStyle/>
+                <a:p>
+                  <a:pPr algn="ctr"/>
+                  <a:endParaRPr lang="es-ES"/>
+                </a:p>
+              </p:txBody>
+            </p:sp>
+            <p:sp>
+              <p:nvSpPr>
+                <p:cNvPr id="18" name="Arc 17">
+                  <a:extLst>
+                    <a:ext uri="{FF2B5EF4-FFF2-40B4-BE49-F238E27FC236}">
+                      <a16:creationId xmlns:a16="http://schemas.microsoft.com/office/drawing/2014/main" id="{1146A34A-4F2A-4662-873A-E6B486727D98}"/>
+                    </a:ext>
+                  </a:extLst>
+                </p:cNvPr>
+                <p:cNvSpPr/>
+                <p:nvPr/>
+              </p:nvSpPr>
+              <p:spPr>
+                <a:xfrm>
+                  <a:off x="7786408" y="2357719"/>
+                  <a:ext cx="1743079" cy="1712259"/>
+                </a:xfrm>
+                <a:prstGeom prst="arc">
+                  <a:avLst>
+                    <a:gd name="adj1" fmla="val 3235628"/>
+                    <a:gd name="adj2" fmla="val 10542900"/>
+                  </a:avLst>
+                </a:prstGeom>
+                <a:ln w="28575">
+                  <a:prstDash val="dash"/>
+                  <a:headEnd type="triangle" w="med" len="med"/>
+                  <a:tailEnd type="none" w="med" len="med"/>
+                </a:ln>
+              </p:spPr>
+              <p:style>
+                <a:lnRef idx="2">
+                  <a:schemeClr val="accent1"/>
+                </a:lnRef>
+                <a:fillRef idx="0">
+                  <a:schemeClr val="accent1"/>
+                </a:fillRef>
+                <a:effectRef idx="1">
+                  <a:schemeClr val="accent1"/>
+                </a:effectRef>
+                <a:fontRef idx="minor">
+                  <a:schemeClr val="tx1"/>
+                </a:fontRef>
+              </p:style>
+              <p:txBody>
+                <a:bodyPr rtlCol="0" anchor="ctr"/>
+                <a:lstStyle/>
+                <a:p>
+                  <a:pPr algn="ctr"/>
+                  <a:endParaRPr lang="es-ES"/>
+                </a:p>
+              </p:txBody>
+            </p:sp>
+            <p:sp>
+              <p:nvSpPr>
+                <p:cNvPr id="19" name="QuadreDeText 18">
+                  <a:extLst>
+                    <a:ext uri="{FF2B5EF4-FFF2-40B4-BE49-F238E27FC236}">
+                      <a16:creationId xmlns:a16="http://schemas.microsoft.com/office/drawing/2014/main" id="{91905C0E-AA09-4343-80B7-2A992CFE5CAE}"/>
+                    </a:ext>
+                  </a:extLst>
+                </p:cNvPr>
+                <p:cNvSpPr txBox="1"/>
+                <p:nvPr/>
+              </p:nvSpPr>
+              <p:spPr>
+                <a:xfrm>
+                  <a:off x="8958996" y="1369821"/>
+                  <a:ext cx="1326004" cy="369332"/>
+                </a:xfrm>
+                <a:prstGeom prst="rect">
+                  <a:avLst/>
+                </a:prstGeom>
+                <a:noFill/>
+              </p:spPr>
+              <p:txBody>
+                <a:bodyPr wrap="none" rtlCol="0">
+                  <a:spAutoFit/>
+                </a:bodyPr>
+                <a:lstStyle/>
+                <a:p>
+                  <a:r>
+                    <a:rPr lang="es-ES" b="1" i="0" dirty="0">
+                      <a:solidFill>
+                        <a:srgbClr val="333333"/>
+                      </a:solidFill>
+                      <a:effectLst/>
+                      <a:latin typeface="Arial" panose="020B0604020202020204" pitchFamily="34" charset="0"/>
+                      <a:cs typeface="Arial" panose="020B0604020202020204" pitchFamily="34" charset="0"/>
+                    </a:rPr>
+                    <a:t>angle_min</a:t>
+                  </a:r>
+                  <a:endParaRPr lang="es-ES" b="1" dirty="0">
+                    <a:latin typeface="Arial" panose="020B0604020202020204" pitchFamily="34" charset="0"/>
+                    <a:cs typeface="Arial" panose="020B0604020202020204" pitchFamily="34" charset="0"/>
+                  </a:endParaRPr>
+                </a:p>
+              </p:txBody>
+            </p:sp>
+            <p:sp>
+              <p:nvSpPr>
+                <p:cNvPr id="20" name="QuadreDeText 19">
+                  <a:extLst>
+                    <a:ext uri="{FF2B5EF4-FFF2-40B4-BE49-F238E27FC236}">
+                      <a16:creationId xmlns:a16="http://schemas.microsoft.com/office/drawing/2014/main" id="{542C70C3-C242-49C5-8EE0-8B93E1D8144D}"/>
+                    </a:ext>
+                  </a:extLst>
+                </p:cNvPr>
+                <p:cNvSpPr txBox="1"/>
+                <p:nvPr/>
+              </p:nvSpPr>
+              <p:spPr>
+                <a:xfrm>
+                  <a:off x="9039837" y="4632362"/>
+                  <a:ext cx="1377300" cy="369332"/>
+                </a:xfrm>
+                <a:prstGeom prst="rect">
+                  <a:avLst/>
+                </a:prstGeom>
+                <a:noFill/>
+              </p:spPr>
+              <p:txBody>
+                <a:bodyPr wrap="none" rtlCol="0">
+                  <a:spAutoFit/>
+                </a:bodyPr>
+                <a:lstStyle/>
+                <a:p>
+                  <a:r>
+                    <a:rPr lang="es-ES" b="1" i="0" dirty="0">
+                      <a:solidFill>
+                        <a:srgbClr val="333333"/>
+                      </a:solidFill>
+                      <a:effectLst/>
+                      <a:latin typeface="Arial" panose="020B0604020202020204" pitchFamily="34" charset="0"/>
+                      <a:cs typeface="Arial" panose="020B0604020202020204" pitchFamily="34" charset="0"/>
+                    </a:rPr>
+                    <a:t>angle_max</a:t>
+                  </a:r>
+                  <a:endParaRPr lang="es-ES" b="1" dirty="0">
+                    <a:latin typeface="Arial" panose="020B0604020202020204" pitchFamily="34" charset="0"/>
+                    <a:cs typeface="Arial" panose="020B0604020202020204" pitchFamily="34" charset="0"/>
+                  </a:endParaRPr>
+                </a:p>
+              </p:txBody>
+            </p:sp>
+            <p:sp>
+              <p:nvSpPr>
+                <p:cNvPr id="25" name="QuadreDeText 24">
+                  <a:extLst>
+                    <a:ext uri="{FF2B5EF4-FFF2-40B4-BE49-F238E27FC236}">
+                      <a16:creationId xmlns:a16="http://schemas.microsoft.com/office/drawing/2014/main" id="{6F1682FB-97BC-4304-B82C-17BC7C7FC72D}"/>
+                    </a:ext>
+                  </a:extLst>
+                </p:cNvPr>
+                <p:cNvSpPr txBox="1"/>
+                <p:nvPr/>
+              </p:nvSpPr>
+              <p:spPr>
+                <a:xfrm>
+                  <a:off x="5944736" y="4376144"/>
+                  <a:ext cx="2275899" cy="276999"/>
+                </a:xfrm>
+                <a:prstGeom prst="rect">
+                  <a:avLst/>
+                </a:prstGeom>
+                <a:noFill/>
+              </p:spPr>
+              <p:txBody>
+                <a:bodyPr wrap="square">
+                  <a:spAutoFit/>
+                </a:bodyPr>
+                <a:lstStyle/>
+                <a:p>
+                  <a:r>
+                    <a:rPr lang="es-ES" sz="1200" b="1" i="0" dirty="0">
+                      <a:solidFill>
+                        <a:srgbClr val="333333"/>
+                      </a:solidFill>
+                      <a:effectLst/>
+                      <a:latin typeface="Arial" panose="020B0604020202020204" pitchFamily="34" charset="0"/>
+                      <a:cs typeface="Arial" panose="020B0604020202020204" pitchFamily="34" charset="0"/>
+                    </a:rPr>
+                    <a:t>angle_increment (rad/index)</a:t>
+                  </a:r>
+                  <a:endParaRPr lang="es-ES" sz="1200" b="1" dirty="0">
+                    <a:latin typeface="Arial" panose="020B0604020202020204" pitchFamily="34" charset="0"/>
+                    <a:cs typeface="Arial" panose="020B0604020202020204" pitchFamily="34" charset="0"/>
+                  </a:endParaRPr>
+                </a:p>
+              </p:txBody>
+            </p:sp>
+          </p:grpSp>
+          <p:sp>
+            <p:nvSpPr>
+              <p:cNvPr id="28" name="QuadreDeText 27">
+                <a:extLst>
+                  <a:ext uri="{FF2B5EF4-FFF2-40B4-BE49-F238E27FC236}">
+                    <a16:creationId xmlns:a16="http://schemas.microsoft.com/office/drawing/2014/main" id="{C4B46251-E712-45FB-BDAC-8849EBAEFCD6}"/>
+                  </a:ext>
+                </a:extLst>
+              </p:cNvPr>
+              <p:cNvSpPr txBox="1"/>
+              <p:nvPr/>
+            </p:nvSpPr>
+            <p:spPr>
+              <a:xfrm>
+                <a:off x="9736412" y="1408073"/>
+                <a:ext cx="867289" cy="369332"/>
+              </a:xfrm>
+              <a:prstGeom prst="rect">
+                <a:avLst/>
+              </a:prstGeom>
+              <a:noFill/>
+            </p:spPr>
+            <p:txBody>
+              <a:bodyPr wrap="none" rtlCol="0">
+                <a:spAutoFit/>
+              </a:bodyPr>
+              <a:lstStyle/>
+              <a:p>
+                <a:r>
+                  <a:rPr lang="ca-ES" dirty="0"/>
+                  <a:t>Index 0</a:t>
+                </a:r>
+                <a:endParaRPr lang="es-ES" dirty="0"/>
+              </a:p>
+            </p:txBody>
+          </p:sp>
+        </p:grpSp>
+        <p:sp>
+          <p:nvSpPr>
+            <p:cNvPr id="30" name="Rectangle 29">
+              <a:extLst>
+                <a:ext uri="{FF2B5EF4-FFF2-40B4-BE49-F238E27FC236}">
+                  <a16:creationId xmlns:a16="http://schemas.microsoft.com/office/drawing/2014/main" id="{8AE7A2D3-EEC3-45D4-BBB6-8F8B39AB0BA7}"/>
+                </a:ext>
+              </a:extLst>
+            </p:cNvPr>
+            <p:cNvSpPr/>
+            <p:nvPr/>
+          </p:nvSpPr>
+          <p:spPr>
+            <a:xfrm>
+              <a:off x="4651535" y="2335349"/>
+              <a:ext cx="1451052" cy="258944"/>
+            </a:xfrm>
+            <a:prstGeom prst="rect">
+              <a:avLst/>
+            </a:prstGeom>
+            <a:solidFill>
+              <a:schemeClr val="bg1"/>
+            </a:solidFill>
+            <a:ln>
+              <a:solidFill>
+                <a:schemeClr val="bg1"/>
+              </a:solidFill>
+            </a:ln>
+          </p:spPr>
+          <p:style>
+            <a:lnRef idx="2">
+              <a:schemeClr val="accent1">
+                <a:shade val="50000"/>
+              </a:schemeClr>
+            </a:lnRef>
+            <a:fillRef idx="1">
+              <a:schemeClr val="accent1"/>
+            </a:fillRef>
+            <a:effectRef idx="0">
+              <a:schemeClr val="accent1"/>
+            </a:effectRef>
+            <a:fontRef idx="minor">
+              <a:schemeClr val="lt1"/>
+            </a:fontRef>
+          </p:style>
+          <p:txBody>
+            <a:bodyPr rtlCol="0" anchor="ctr"/>
+            <a:lstStyle/>
+            <a:p>
+              <a:pPr algn="ctr"/>
+              <a:endParaRPr lang="es-ES"/>
+            </a:p>
+          </p:txBody>
+        </p:sp>
+      </p:grpSp>
+      <p:grpSp>
+        <p:nvGrpSpPr>
+          <p:cNvPr id="27" name="Agrupa 26">
+            <a:extLst>
+              <a:ext uri="{FF2B5EF4-FFF2-40B4-BE49-F238E27FC236}">
+                <a16:creationId xmlns:a16="http://schemas.microsoft.com/office/drawing/2014/main" id="{221C7E5C-E761-4A16-8128-80F3FDC1D2D4}"/>
+              </a:ext>
+            </a:extLst>
+          </p:cNvPr>
+          <p:cNvGrpSpPr/>
+          <p:nvPr/>
+        </p:nvGrpSpPr>
+        <p:grpSpPr>
+          <a:xfrm>
+            <a:off x="6102591" y="692093"/>
+            <a:ext cx="6038850" cy="5527604"/>
+            <a:chOff x="396128" y="1293719"/>
+            <a:chExt cx="6038850" cy="5527604"/>
+          </a:xfrm>
+        </p:grpSpPr>
+        <p:pic>
+          <p:nvPicPr>
+            <p:cNvPr id="3" name="Imatge 2">
+              <a:extLst>
+                <a:ext uri="{FF2B5EF4-FFF2-40B4-BE49-F238E27FC236}">
+                  <a16:creationId xmlns:a16="http://schemas.microsoft.com/office/drawing/2014/main" id="{22664B74-5ECC-4A59-AC3B-BE2A3A89884A}"/>
+                </a:ext>
+              </a:extLst>
+            </p:cNvPr>
+            <p:cNvPicPr>
+              <a:picLocks noChangeAspect="1"/>
+            </p:cNvPicPr>
+            <p:nvPr/>
+          </p:nvPicPr>
+          <p:blipFill>
+            <a:blip r:embed="rId2"/>
+            <a:stretch>
+              <a:fillRect/>
+            </a:stretch>
+          </p:blipFill>
+          <p:spPr>
+            <a:xfrm>
+              <a:off x="396128" y="1293719"/>
+              <a:ext cx="6038850" cy="3714750"/>
+            </a:xfrm>
+            <a:prstGeom prst="rect">
+              <a:avLst/>
+            </a:prstGeom>
+          </p:spPr>
+        </p:pic>
+        <p:cxnSp>
+          <p:nvCxnSpPr>
+            <p:cNvPr id="6" name="Connector de fletxa recta 5">
+              <a:extLst>
+                <a:ext uri="{FF2B5EF4-FFF2-40B4-BE49-F238E27FC236}">
+                  <a16:creationId xmlns:a16="http://schemas.microsoft.com/office/drawing/2014/main" id="{6E97F052-DFC7-483E-AD6E-19EC8884891A}"/>
+                </a:ext>
+              </a:extLst>
+            </p:cNvPr>
+            <p:cNvCxnSpPr/>
+            <p:nvPr/>
+          </p:nvCxnSpPr>
+          <p:spPr>
+            <a:xfrm flipH="1">
+              <a:off x="1228165" y="3195919"/>
+              <a:ext cx="1819835" cy="0"/>
+            </a:xfrm>
+            <a:prstGeom prst="straightConnector1">
+              <a:avLst/>
+            </a:prstGeom>
+            <a:ln w="76200">
+              <a:solidFill>
+                <a:srgbClr val="FF0000"/>
+              </a:solidFill>
+              <a:tailEnd type="triangle"/>
+            </a:ln>
+          </p:spPr>
+          <p:style>
+            <a:lnRef idx="2">
+              <a:schemeClr val="accent2"/>
+            </a:lnRef>
+            <a:fillRef idx="0">
+              <a:schemeClr val="accent2"/>
+            </a:fillRef>
+            <a:effectRef idx="1">
+              <a:schemeClr val="accent2"/>
+            </a:effectRef>
+            <a:fontRef idx="minor">
+              <a:schemeClr val="tx1"/>
+            </a:fontRef>
+          </p:style>
+        </p:cxnSp>
+        <p:sp>
+          <p:nvSpPr>
+            <p:cNvPr id="7" name="QuadreDeText 6">
+              <a:extLst>
+                <a:ext uri="{FF2B5EF4-FFF2-40B4-BE49-F238E27FC236}">
+                  <a16:creationId xmlns:a16="http://schemas.microsoft.com/office/drawing/2014/main" id="{53D03532-5218-4EC9-87B7-436161CE0F1E}"/>
+                </a:ext>
+              </a:extLst>
+            </p:cNvPr>
+            <p:cNvSpPr txBox="1"/>
+            <p:nvPr/>
+          </p:nvSpPr>
+          <p:spPr>
+            <a:xfrm>
+              <a:off x="1515035" y="2644588"/>
+              <a:ext cx="373820" cy="584775"/>
+            </a:xfrm>
+            <a:prstGeom prst="rect">
+              <a:avLst/>
+            </a:prstGeom>
+            <a:noFill/>
+          </p:spPr>
+          <p:txBody>
+            <a:bodyPr wrap="none" rtlCol="0">
+              <a:spAutoFit/>
+            </a:bodyPr>
+            <a:lstStyle/>
+            <a:p>
+              <a:r>
+                <a:rPr lang="ca-ES" sz="3200" b="1" dirty="0">
+                  <a:solidFill>
+                    <a:srgbClr val="FF0000"/>
+                  </a:solidFill>
+                </a:rPr>
+                <a:t>x</a:t>
+              </a:r>
+              <a:endParaRPr lang="es-ES" sz="3200" b="1" dirty="0">
+                <a:solidFill>
+                  <a:srgbClr val="FF0000"/>
+                </a:solidFill>
+              </a:endParaRPr>
+            </a:p>
+          </p:txBody>
+        </p:sp>
+        <p:pic>
+          <p:nvPicPr>
+            <p:cNvPr id="23" name="Imatge 22">
+              <a:extLst>
+                <a:ext uri="{FF2B5EF4-FFF2-40B4-BE49-F238E27FC236}">
+                  <a16:creationId xmlns:a16="http://schemas.microsoft.com/office/drawing/2014/main" id="{BF58934D-8D7B-44EB-AA85-D75B68A0F7AC}"/>
+                </a:ext>
+              </a:extLst>
+            </p:cNvPr>
+            <p:cNvPicPr>
+              <a:picLocks noChangeAspect="1"/>
+            </p:cNvPicPr>
+            <p:nvPr/>
+          </p:nvPicPr>
+          <p:blipFill>
+            <a:blip r:embed="rId3"/>
+            <a:stretch>
+              <a:fillRect/>
+            </a:stretch>
+          </p:blipFill>
+          <p:spPr>
+            <a:xfrm>
+              <a:off x="1888855" y="4974721"/>
+              <a:ext cx="2956148" cy="1846602"/>
+            </a:xfrm>
+            <a:prstGeom prst="rect">
+              <a:avLst/>
+            </a:prstGeom>
+          </p:spPr>
+        </p:pic>
+      </p:grpSp>
+      <p:sp>
+        <p:nvSpPr>
+          <p:cNvPr id="32" name="QuadreDeText 31">
+            <a:extLst>
+              <a:ext uri="{FF2B5EF4-FFF2-40B4-BE49-F238E27FC236}">
+                <a16:creationId xmlns:a16="http://schemas.microsoft.com/office/drawing/2014/main" id="{87B71A76-6761-4344-A6F6-D37203EF79CE}"/>
+              </a:ext>
+            </a:extLst>
+          </p:cNvPr>
+          <p:cNvSpPr txBox="1"/>
+          <p:nvPr/>
+        </p:nvSpPr>
+        <p:spPr>
+          <a:xfrm>
+            <a:off x="895778" y="4893644"/>
+            <a:ext cx="4988610" cy="369332"/>
+          </a:xfrm>
+          <a:prstGeom prst="rect">
+            <a:avLst/>
+          </a:prstGeom>
+          <a:noFill/>
+        </p:spPr>
+        <p:txBody>
+          <a:bodyPr wrap="none" rtlCol="0">
+            <a:spAutoFit/>
+          </a:bodyPr>
+          <a:lstStyle/>
+          <a:p>
+            <a:r>
+              <a:rPr lang="es-ES" b="1" dirty="0"/>
+              <a:t>angle_lidar= angle_min + index * angle_increment</a:t>
+            </a:r>
+          </a:p>
+        </p:txBody>
+      </p:sp>
+    </p:spTree>
+    <p:extLst>
+      <p:ext uri="{BB962C8B-B14F-4D97-AF65-F5344CB8AC3E}">
+        <p14:creationId xmlns:p14="http://schemas.microsoft.com/office/powerpoint/2010/main" val="2374136318"/>
+      </p:ext>
+    </p:extLst>
+  </p:cSld>
+  <p:clrMapOvr>
+    <a:masterClrMapping/>
+  </p:clrMapOvr>
+</p:sld>
+</file>
+
 <file path=ppt/theme/theme1.xml><?xml version="1.0" encoding="utf-8"?>
 <a:theme xmlns:a="http://schemas.openxmlformats.org/drawingml/2006/main" name="Office Theme">
   <a:themeElements>
